--- a/feedlearn-poster.pptx
+++ b/feedlearn-poster.pptx
@@ -288,7 +288,7 @@
           <a:p>
             <a:fld id="{B9071A0A-C771-FF4E-BD28-BD798DA5999F}" type="datetimeFigureOut">
               <a:rPr lang="en-US" smtClean="0"/>
-              <a:t>1/5/15</a:t>
+              <a:t>15-2-10</a:t>
             </a:fld>
             <a:endParaRPr lang="en-US"/>
           </a:p>
@@ -458,7 +458,7 @@
           <a:p>
             <a:fld id="{B9071A0A-C771-FF4E-BD28-BD798DA5999F}" type="datetimeFigureOut">
               <a:rPr lang="en-US" smtClean="0"/>
-              <a:t>1/5/15</a:t>
+              <a:t>15-2-10</a:t>
             </a:fld>
             <a:endParaRPr lang="en-US"/>
           </a:p>
@@ -638,7 +638,7 @@
           <a:p>
             <a:fld id="{B9071A0A-C771-FF4E-BD28-BD798DA5999F}" type="datetimeFigureOut">
               <a:rPr lang="en-US" smtClean="0"/>
-              <a:t>1/5/15</a:t>
+              <a:t>15-2-10</a:t>
             </a:fld>
             <a:endParaRPr lang="en-US"/>
           </a:p>
@@ -808,7 +808,7 @@
           <a:p>
             <a:fld id="{B9071A0A-C771-FF4E-BD28-BD798DA5999F}" type="datetimeFigureOut">
               <a:rPr lang="en-US" smtClean="0"/>
-              <a:t>1/5/15</a:t>
+              <a:t>15-2-10</a:t>
             </a:fld>
             <a:endParaRPr lang="en-US"/>
           </a:p>
@@ -1054,7 +1054,7 @@
           <a:p>
             <a:fld id="{B9071A0A-C771-FF4E-BD28-BD798DA5999F}" type="datetimeFigureOut">
               <a:rPr lang="en-US" smtClean="0"/>
-              <a:t>1/5/15</a:t>
+              <a:t>15-2-10</a:t>
             </a:fld>
             <a:endParaRPr lang="en-US"/>
           </a:p>
@@ -1342,7 +1342,7 @@
           <a:p>
             <a:fld id="{B9071A0A-C771-FF4E-BD28-BD798DA5999F}" type="datetimeFigureOut">
               <a:rPr lang="en-US" smtClean="0"/>
-              <a:t>1/5/15</a:t>
+              <a:t>15-2-10</a:t>
             </a:fld>
             <a:endParaRPr lang="en-US"/>
           </a:p>
@@ -1764,7 +1764,7 @@
           <a:p>
             <a:fld id="{B9071A0A-C771-FF4E-BD28-BD798DA5999F}" type="datetimeFigureOut">
               <a:rPr lang="en-US" smtClean="0"/>
-              <a:t>1/5/15</a:t>
+              <a:t>15-2-10</a:t>
             </a:fld>
             <a:endParaRPr lang="en-US"/>
           </a:p>
@@ -1882,7 +1882,7 @@
           <a:p>
             <a:fld id="{B9071A0A-C771-FF4E-BD28-BD798DA5999F}" type="datetimeFigureOut">
               <a:rPr lang="en-US" smtClean="0"/>
-              <a:t>1/5/15</a:t>
+              <a:t>15-2-10</a:t>
             </a:fld>
             <a:endParaRPr lang="en-US"/>
           </a:p>
@@ -1977,7 +1977,7 @@
           <a:p>
             <a:fld id="{B9071A0A-C771-FF4E-BD28-BD798DA5999F}" type="datetimeFigureOut">
               <a:rPr lang="en-US" smtClean="0"/>
-              <a:t>1/5/15</a:t>
+              <a:t>15-2-10</a:t>
             </a:fld>
             <a:endParaRPr lang="en-US"/>
           </a:p>
@@ -2254,7 +2254,7 @@
           <a:p>
             <a:fld id="{B9071A0A-C771-FF4E-BD28-BD798DA5999F}" type="datetimeFigureOut">
               <a:rPr lang="en-US" smtClean="0"/>
-              <a:t>1/5/15</a:t>
+              <a:t>15-2-10</a:t>
             </a:fld>
             <a:endParaRPr lang="en-US"/>
           </a:p>
@@ -2507,7 +2507,7 @@
           <a:p>
             <a:fld id="{B9071A0A-C771-FF4E-BD28-BD798DA5999F}" type="datetimeFigureOut">
               <a:rPr lang="en-US" smtClean="0"/>
-              <a:t>1/5/15</a:t>
+              <a:t>15-2-10</a:t>
             </a:fld>
             <a:endParaRPr lang="en-US"/>
           </a:p>
@@ -2720,7 +2720,7 @@
           <a:p>
             <a:fld id="{B9071A0A-C771-FF4E-BD28-BD798DA5999F}" type="datetimeFigureOut">
               <a:rPr lang="en-US" smtClean="0"/>
-              <a:t>1/5/15</a:t>
+              <a:t>15-2-10</a:t>
             </a:fld>
             <a:endParaRPr lang="en-US"/>
           </a:p>
@@ -3103,7 +3103,7 @@
           </p:cNvPicPr>
           <p:nvPr/>
         </p:nvPicPr>
-        <p:blipFill>
+        <p:blipFill rotWithShape="1">
           <a:blip r:embed="rId2">
             <a:extLst>
               <a:ext uri="{28A0092B-C50C-407E-A947-70E740481C1C}">
@@ -3111,50 +3111,68 @@
               </a:ext>
             </a:extLst>
           </a:blip>
-          <a:stretch>
-            <a:fillRect/>
-          </a:stretch>
+          <a:srcRect l="11813" r="7663"/>
+          <a:stretch/>
         </p:blipFill>
         <p:spPr>
           <a:xfrm>
-            <a:off x="5557521" y="3305060"/>
-            <a:ext cx="3593824" cy="1806127"/>
+            <a:off x="5638800" y="2766579"/>
+            <a:ext cx="3522803" cy="2198609"/>
           </a:xfrm>
           <a:prstGeom prst="rect">
             <a:avLst/>
           </a:prstGeom>
         </p:spPr>
       </p:pic>
-      <p:pic>
-        <p:nvPicPr>
-          <p:cNvPr id="12" name="Picture 11" descr="learn-korean-post.png"/>
-          <p:cNvPicPr>
-            <a:picLocks noChangeAspect="1"/>
-          </p:cNvPicPr>
+      <p:sp>
+        <p:nvSpPr>
+          <p:cNvPr id="17" name="Rectangle 16"/>
+          <p:cNvSpPr/>
           <p:nvPr/>
-        </p:nvPicPr>
-        <p:blipFill>
-          <a:blip r:embed="rId3">
-            <a:extLst>
-              <a:ext uri="{28A0092B-C50C-407E-A947-70E740481C1C}">
-                <a14:useLocalDpi xmlns:a14="http://schemas.microsoft.com/office/drawing/2010/main" val="0"/>
-              </a:ext>
-            </a:extLst>
-          </a:blip>
-          <a:stretch>
-            <a:fillRect/>
-          </a:stretch>
-        </p:blipFill>
+        </p:nvSpPr>
         <p:spPr>
           <a:xfrm>
-            <a:off x="5913121" y="1846092"/>
-            <a:ext cx="1102510" cy="1100308"/>
+            <a:off x="-41836" y="4958080"/>
+            <a:ext cx="9203439" cy="373773"/>
           </a:xfrm>
           <a:prstGeom prst="rect">
             <a:avLst/>
           </a:prstGeom>
+          <a:solidFill>
+            <a:srgbClr val="008000"/>
+          </a:solidFill>
+          <a:ln>
+            <a:noFill/>
+          </a:ln>
         </p:spPr>
-      </p:pic>
+        <p:style>
+          <a:lnRef idx="2">
+            <a:schemeClr val="accent1">
+              <a:shade val="50000"/>
+            </a:schemeClr>
+          </a:lnRef>
+          <a:fillRef idx="1">
+            <a:schemeClr val="accent1"/>
+          </a:fillRef>
+          <a:effectRef idx="0">
+            <a:schemeClr val="accent1"/>
+          </a:effectRef>
+          <a:fontRef idx="minor">
+            <a:schemeClr val="lt1"/>
+          </a:fontRef>
+        </p:style>
+        <p:txBody>
+          <a:bodyPr rtlCol="0" anchor="ctr"/>
+          <a:lstStyle/>
+          <a:p>
+            <a:r>
+              <a:rPr lang="en-US" sz="1700" dirty="0" smtClean="0"/>
+              <a:t>     Preliminary User Study</a:t>
+            </a:r>
+            <a:endParaRPr lang="en-US" sz="1700" dirty="0"/>
+          </a:p>
+        </p:txBody>
+      </p:sp>
       <p:sp>
         <p:nvSpPr>
           <p:cNvPr id="5" name="Rectangle 4"/>
@@ -3475,8 +3493,8 @@
         </p:nvSpPr>
         <p:spPr>
           <a:xfrm>
-            <a:off x="2017" y="1858822"/>
-            <a:ext cx="5921263" cy="1015663"/>
+            <a:off x="2017" y="1797862"/>
+            <a:ext cx="6236223" cy="584776"/>
           </a:xfrm>
           <a:prstGeom prst="rect">
             <a:avLst/>
@@ -3517,56 +3535,11 @@
             </a:r>
             <a:r>
               <a:rPr lang="en-US" sz="1400" dirty="0" smtClean="0"/>
-              <a:t>      Not interactive: need to visit their site to do the quizzes.</a:t>
-            </a:r>
-            <a:endParaRPr lang="en-US" sz="1400" dirty="0"/>
-          </a:p>
-          <a:p>
+              <a:t>      Not </a:t>
+            </a:r>
             <a:r>
               <a:rPr lang="en-US" sz="1400" dirty="0" smtClean="0"/>
-              <a:t>       Not </a:t>
-            </a:r>
-            <a:r>
-              <a:rPr lang="en-US" sz="1400" dirty="0"/>
-              <a:t>personalized: all </a:t>
-            </a:r>
-            <a:r>
-              <a:rPr lang="en-US" sz="1400" dirty="0" smtClean="0"/>
-              <a:t>subscribers </a:t>
-            </a:r>
-            <a:r>
-              <a:rPr lang="en-US" sz="1400" dirty="0"/>
-              <a:t>will see the same daily word </a:t>
-            </a:r>
-            <a:r>
-              <a:rPr lang="en-US" sz="1400" dirty="0" smtClean="0"/>
-              <a:t>posted</a:t>
-            </a:r>
-          </a:p>
-          <a:p>
-            <a:r>
-              <a:rPr lang="en-US" sz="1400" dirty="0"/>
-              <a:t> </a:t>
-            </a:r>
-            <a:r>
-              <a:rPr lang="en-US" sz="1400" dirty="0" smtClean="0"/>
-              <a:t>      No </a:t>
-            </a:r>
-            <a:r>
-              <a:rPr lang="en-US" sz="1400" dirty="0"/>
-              <a:t>spaced repetition: </a:t>
-            </a:r>
-            <a:r>
-              <a:rPr lang="en-US" sz="1400" dirty="0" smtClean="0"/>
-              <a:t>older </a:t>
-            </a:r>
-            <a:r>
-              <a:rPr lang="en-US" sz="1400" dirty="0"/>
-              <a:t>ones are never repeated</a:t>
-            </a:r>
-            <a:r>
-              <a:rPr lang="en-US" sz="1400" dirty="0" smtClean="0"/>
-              <a:t>.</a:t>
+              <a:t>interactive, not personalized, no spaced repetition, manually generated</a:t>
             </a:r>
             <a:endParaRPr lang="en-US" sz="1400" dirty="0"/>
           </a:p>
@@ -3619,15 +3592,15 @@
             </a:r>
             <a:r>
               <a:rPr lang="en-US" sz="1700" dirty="0" smtClean="0"/>
-              <a:t>    Why is Facebook a good platform for </a:t>
+              <a:t>    </a:t>
+            </a:r>
+            <a:r>
+              <a:rPr lang="en-US" sz="1700" dirty="0" smtClean="0"/>
+              <a:t>Facebook’s widespread use presents a good opportunity for </a:t>
             </a:r>
             <a:r>
               <a:rPr lang="en-US" sz="1700" dirty="0" err="1" smtClean="0"/>
-              <a:t>Microlearning</a:t>
-            </a:r>
-            <a:r>
-              <a:rPr lang="en-US" sz="1700" dirty="0" smtClean="0"/>
-              <a:t>? Because people visit it often</a:t>
+              <a:t>microlearning</a:t>
             </a:r>
             <a:endParaRPr lang="en-US" sz="1700" dirty="0"/>
           </a:p>
@@ -3686,61 +3659,13 @@
       </p:sp>
       <p:sp>
         <p:nvSpPr>
-          <p:cNvPr id="13" name="Rounded Rectangular Callout 12"/>
-          <p:cNvSpPr/>
-          <p:nvPr/>
-        </p:nvSpPr>
-        <p:spPr>
-          <a:xfrm>
-            <a:off x="7264400" y="1920240"/>
-            <a:ext cx="1808976" cy="944880"/>
-          </a:xfrm>
-          <a:prstGeom prst="wedgeRoundRectCallout">
-            <a:avLst>
-              <a:gd name="adj1" fmla="val -63516"/>
-              <a:gd name="adj2" fmla="val -24597"/>
-              <a:gd name="adj3" fmla="val 16667"/>
-            </a:avLst>
-          </a:prstGeom>
-        </p:spPr>
-        <p:style>
-          <a:lnRef idx="2">
-            <a:schemeClr val="dk1">
-              <a:shade val="50000"/>
-            </a:schemeClr>
-          </a:lnRef>
-          <a:fillRef idx="1">
-            <a:schemeClr val="dk1"/>
-          </a:fillRef>
-          <a:effectRef idx="0">
-            <a:schemeClr val="dk1"/>
-          </a:effectRef>
-          <a:fontRef idx="minor">
-            <a:schemeClr val="lt1"/>
-          </a:fontRef>
-        </p:style>
-        <p:txBody>
-          <a:bodyPr rtlCol="0" anchor="ctr"/>
-          <a:lstStyle/>
-          <a:p>
-            <a:pPr algn="ctr"/>
-            <a:r>
-              <a:rPr lang="en-US" sz="1200" dirty="0" smtClean="0"/>
-              <a:t>“Word of the Day” post from KoreanClass101, which has 70,000 subscribers</a:t>
-            </a:r>
-            <a:endParaRPr lang="en-US" sz="1200" dirty="0"/>
-          </a:p>
-        </p:txBody>
-      </p:sp>
-      <p:sp>
-        <p:nvSpPr>
           <p:cNvPr id="14" name="Rectangle 13"/>
           <p:cNvSpPr/>
           <p:nvPr/>
         </p:nvSpPr>
         <p:spPr>
           <a:xfrm>
-            <a:off x="0" y="2941447"/>
+            <a:off x="-8144" y="2402958"/>
             <a:ext cx="9203439" cy="373773"/>
           </a:xfrm>
           <a:prstGeom prst="rect">
@@ -3787,7 +3712,27 @@
             </a:r>
             <a:r>
               <a:rPr lang="en-US" sz="1700" dirty="0" smtClean="0"/>
-              <a:t>: Lets you do vocabulary quizzes directly inside your Facebook feed</a:t>
+              <a:t>: </a:t>
+            </a:r>
+            <a:r>
+              <a:rPr lang="en-US" sz="1700" dirty="0" err="1" smtClean="0"/>
+              <a:t>Microlearn</a:t>
+            </a:r>
+            <a:r>
+              <a:rPr lang="en-US" sz="1700" dirty="0" smtClean="0"/>
+              <a:t> </a:t>
+            </a:r>
+            <a:r>
+              <a:rPr lang="en-US" sz="1700" dirty="0" smtClean="0"/>
+              <a:t>directly </a:t>
+            </a:r>
+            <a:r>
+              <a:rPr lang="en-US" sz="1700" dirty="0" smtClean="0"/>
+              <a:t>in your </a:t>
+            </a:r>
+            <a:r>
+              <a:rPr lang="en-US" sz="1700" dirty="0" smtClean="0"/>
+              <a:t>Facebook feed</a:t>
             </a:r>
             <a:endParaRPr lang="en-US" sz="1700" dirty="0"/>
           </a:p>
@@ -3801,8 +3746,8 @@
         </p:nvSpPr>
         <p:spPr>
           <a:xfrm>
-            <a:off x="15488" y="3298907"/>
-            <a:ext cx="7929632" cy="2123658"/>
+            <a:off x="15488" y="2831547"/>
+            <a:ext cx="7929632" cy="2277547"/>
           </a:xfrm>
           <a:prstGeom prst="rect">
             <a:avLst/>
@@ -3816,22 +3761,39 @@
           <a:p>
             <a:r>
               <a:rPr lang="en-US" dirty="0" smtClean="0"/>
-              <a:t>     Shows interactive vocabulary quizzes into your feed</a:t>
+              <a:t>     Shows interactive vocabulary quizzes </a:t>
+            </a:r>
+            <a:r>
+              <a:rPr lang="en-US" dirty="0" smtClean="0"/>
+              <a:t>in your feed</a:t>
             </a:r>
           </a:p>
           <a:p>
             <a:r>
               <a:rPr lang="en-US" sz="1400" dirty="0" smtClean="0"/>
-              <a:t>       Can answer quizzes without leaving Facebook</a:t>
-            </a:r>
-            <a:endParaRPr lang="en-US" sz="1400" dirty="0"/>
-          </a:p>
-          <a:p>
+              <a:t>       Quizzes occur every 10 feed items, similar to sponsored content</a:t>
+            </a:r>
+          </a:p>
+          <a:p>
+            <a:r>
+              <a:rPr lang="en-US" sz="1400" dirty="0"/>
+              <a:t> </a:t>
+            </a:r>
             <a:r>
               <a:rPr lang="en-US" sz="1400" dirty="0" smtClean="0"/>
               <a:t>      </a:t>
             </a:r>
             <a:r>
+              <a:rPr lang="en-US" sz="1400" dirty="0" smtClean="0"/>
+              <a:t>Can answer quizzes inside feed, without leaving Facebook</a:t>
+            </a:r>
+          </a:p>
+          <a:p>
+            <a:r>
+              <a:rPr lang="en-US" sz="1400" dirty="0" smtClean="0"/>
+              <a:t>      </a:t>
+            </a:r>
+            <a:r>
               <a:rPr lang="en-US" dirty="0" smtClean="0"/>
               <a:t>Personalized, automatically generated quizzes</a:t>
             </a:r>
@@ -3845,12 +3807,32 @@
               <a:rPr lang="en-US" sz="1400" dirty="0" err="1" smtClean="0"/>
               <a:t>Wiktionary</a:t>
             </a:r>
-            <a:endParaRPr lang="en-US" sz="1400" dirty="0"/>
+            <a:endParaRPr lang="en-US" sz="1400" dirty="0" smtClean="0"/>
           </a:p>
           <a:p>
             <a:r>
               <a:rPr lang="en-US" sz="1400" dirty="0" smtClean="0"/>
-              <a:t>       Uses spaced repetition algorithm to schedule words</a:t>
+              <a:t>       Uses </a:t>
+            </a:r>
+            <a:r>
+              <a:rPr lang="en-US" sz="1400" dirty="0" smtClean="0"/>
+              <a:t>spaced repetition algorithm </a:t>
+            </a:r>
+            <a:r>
+              <a:rPr lang="en-US" sz="1400" dirty="0" smtClean="0"/>
+              <a:t>(</a:t>
+            </a:r>
+            <a:r>
+              <a:rPr lang="en-US" sz="1400" dirty="0" err="1" smtClean="0"/>
+              <a:t>Memreflex</a:t>
+            </a:r>
+            <a:r>
+              <a:rPr lang="en-US" sz="1400" dirty="0" smtClean="0"/>
+              <a:t>) to </a:t>
+            </a:r>
+            <a:r>
+              <a:rPr lang="en-US" sz="1400" dirty="0" smtClean="0"/>
+              <a:t>schedule words</a:t>
             </a:r>
           </a:p>
           <a:p>
@@ -3882,59 +3864,6 @@
               <a:rPr lang="en-US" dirty="0" smtClean="0"/>
               <a:t>    </a:t>
             </a:r>
-          </a:p>
-        </p:txBody>
-      </p:sp>
-      <p:sp>
-        <p:nvSpPr>
-          <p:cNvPr id="17" name="Rectangle 16"/>
-          <p:cNvSpPr/>
-          <p:nvPr/>
-        </p:nvSpPr>
-        <p:spPr>
-          <a:xfrm>
-            <a:off x="-41836" y="5100320"/>
-            <a:ext cx="9203439" cy="373773"/>
-          </a:xfrm>
-          <a:prstGeom prst="rect">
-            <a:avLst/>
-          </a:prstGeom>
-          <a:solidFill>
-            <a:srgbClr val="008000"/>
-          </a:solidFill>
-          <a:ln>
-            <a:noFill/>
-          </a:ln>
-        </p:spPr>
-        <p:style>
-          <a:lnRef idx="2">
-            <a:schemeClr val="accent1">
-              <a:shade val="50000"/>
-            </a:schemeClr>
-          </a:lnRef>
-          <a:fillRef idx="1">
-            <a:schemeClr val="accent1"/>
-          </a:fillRef>
-          <a:effectRef idx="0">
-            <a:schemeClr val="accent1"/>
-          </a:effectRef>
-          <a:fontRef idx="minor">
-            <a:schemeClr val="lt1"/>
-          </a:fontRef>
-        </p:style>
-        <p:txBody>
-          <a:bodyPr rtlCol="0" anchor="ctr"/>
-          <a:lstStyle/>
-          <a:p>
-            <a:r>
-              <a:rPr lang="en-US" sz="1700" dirty="0" smtClean="0"/>
-              <a:t>     </a:t>
-            </a:r>
-            <a:r>
-              <a:rPr lang="en-US" sz="1700" dirty="0" smtClean="0"/>
-              <a:t>Preliminary User Study</a:t>
-            </a:r>
-            <a:endParaRPr lang="en-US" sz="1700" dirty="0"/>
           </a:p>
         </p:txBody>
       </p:sp>
@@ -3946,7 +3875,7 @@
         </p:nvSpPr>
         <p:spPr>
           <a:xfrm>
-            <a:off x="5329" y="5437113"/>
+            <a:off x="5329" y="5325353"/>
             <a:ext cx="6740910" cy="800219"/>
           </a:xfrm>
           <a:prstGeom prst="rect">
@@ -3961,13 +3890,37 @@
           <a:p>
             <a:r>
               <a:rPr lang="en-US" dirty="0" smtClean="0"/>
-              <a:t>     12 participants studying 50 basic Japanese nouns across a week</a:t>
+              <a:t>     </a:t>
+            </a:r>
+            <a:r>
+              <a:rPr lang="en-US" dirty="0" smtClean="0"/>
+              <a:t>12 </a:t>
+            </a:r>
+            <a:r>
+              <a:rPr lang="en-US" dirty="0" smtClean="0"/>
+              <a:t>participants studying 50 basic Japanese nouns across a week</a:t>
             </a:r>
           </a:p>
           <a:p>
             <a:r>
               <a:rPr lang="en-US" sz="1400" dirty="0" smtClean="0"/>
-              <a:t>       6 had interactive quizzes inserted into feeds, 6 had links inserted into feeds</a:t>
+              <a:t>       </a:t>
+            </a:r>
+            <a:r>
+              <a:rPr lang="en-US" sz="1400" dirty="0" smtClean="0"/>
+              <a:t>6 </a:t>
+            </a:r>
+            <a:r>
+              <a:rPr lang="en-US" sz="1400" dirty="0" smtClean="0"/>
+              <a:t>had interactive quizzes inserted into feeds, </a:t>
+            </a:r>
+            <a:r>
+              <a:rPr lang="en-US" sz="1400" dirty="0" smtClean="0"/>
+              <a:t>6 </a:t>
+            </a:r>
+            <a:r>
+              <a:rPr lang="en-US" sz="1400" dirty="0" smtClean="0"/>
+              <a:t>had links inserted into feeds</a:t>
             </a:r>
           </a:p>
           <a:p>
@@ -3981,6 +3934,36 @@
       <p:pic>
         <p:nvPicPr>
           <p:cNvPr id="20" name="Picture 19" descr="vocab-test-scores-old1.png"/>
+          <p:cNvPicPr>
+            <a:picLocks noChangeAspect="1"/>
+          </p:cNvPicPr>
+          <p:nvPr/>
+        </p:nvPicPr>
+        <p:blipFill>
+          <a:blip r:embed="rId3">
+            <a:extLst>
+              <a:ext uri="{28A0092B-C50C-407E-A947-70E740481C1C}">
+                <a14:useLocalDpi xmlns:a14="http://schemas.microsoft.com/office/drawing/2010/main" val="0"/>
+              </a:ext>
+            </a:extLst>
+          </a:blip>
+          <a:stretch>
+            <a:fillRect/>
+          </a:stretch>
+        </p:blipFill>
+        <p:spPr>
+          <a:xfrm>
+            <a:off x="6879360" y="5453773"/>
+            <a:ext cx="2256496" cy="1357494"/>
+          </a:xfrm>
+          <a:prstGeom prst="rect">
+            <a:avLst/>
+          </a:prstGeom>
+        </p:spPr>
+      </p:pic>
+      <p:pic>
+        <p:nvPicPr>
+          <p:cNvPr id="21" name="Picture 20" descr="event-logs-feedlearn.png"/>
           <p:cNvPicPr>
             <a:picLocks noChangeAspect="1"/>
           </p:cNvPicPr>
@@ -4000,17 +3983,45 @@
         </p:blipFill>
         <p:spPr>
           <a:xfrm>
-            <a:off x="6879360" y="5484253"/>
-            <a:ext cx="2256496" cy="1357494"/>
+            <a:off x="4059634" y="6164129"/>
+            <a:ext cx="2789246" cy="651148"/>
           </a:xfrm>
           <a:prstGeom prst="rect">
             <a:avLst/>
           </a:prstGeom>
         </p:spPr>
       </p:pic>
+      <p:sp>
+        <p:nvSpPr>
+          <p:cNvPr id="22" name="Rectangle 21"/>
+          <p:cNvSpPr/>
+          <p:nvPr/>
+        </p:nvSpPr>
+        <p:spPr>
+          <a:xfrm>
+            <a:off x="269489" y="6164129"/>
+            <a:ext cx="3971513" cy="523220"/>
+          </a:xfrm>
+          <a:prstGeom prst="rect">
+            <a:avLst/>
+          </a:prstGeom>
+        </p:spPr>
+        <p:txBody>
+          <a:bodyPr wrap="square">
+            <a:spAutoFit/>
+          </a:bodyPr>
+          <a:lstStyle/>
+          <a:p>
+            <a:r>
+              <a:rPr lang="en-US" sz="1400" dirty="0" smtClean="0"/>
+              <a:t>Users in the in-feed quiz condition answered more quizzes and scored higher on vocabulary tests</a:t>
+            </a:r>
+          </a:p>
+        </p:txBody>
+      </p:sp>
       <p:pic>
         <p:nvPicPr>
-          <p:cNvPr id="21" name="Picture 20" descr="event-logs-feedlearn.png"/>
+          <p:cNvPr id="12" name="Picture 11" descr="learn-korean-post.png"/>
           <p:cNvPicPr>
             <a:picLocks noChangeAspect="1"/>
           </p:cNvPicPr>
@@ -4030,8 +4041,8 @@
         </p:blipFill>
         <p:spPr>
           <a:xfrm>
-            <a:off x="4169882" y="6204769"/>
-            <a:ext cx="2658678" cy="620667"/>
+            <a:off x="5945086" y="1574800"/>
+            <a:ext cx="801153" cy="799553"/>
           </a:xfrm>
           <a:prstGeom prst="rect">
             <a:avLst/>
@@ -4040,29 +4051,49 @@
       </p:pic>
       <p:sp>
         <p:nvSpPr>
-          <p:cNvPr id="22" name="Rectangle 21"/>
+          <p:cNvPr id="13" name="Rounded Rectangular Callout 12"/>
           <p:cNvSpPr/>
           <p:nvPr/>
         </p:nvSpPr>
         <p:spPr>
           <a:xfrm>
-            <a:off x="269489" y="6214929"/>
-            <a:ext cx="3971513" cy="523220"/>
+            <a:off x="7010400" y="1625600"/>
+            <a:ext cx="2062976" cy="741257"/>
           </a:xfrm>
-          <a:prstGeom prst="rect">
-            <a:avLst/>
+          <a:prstGeom prst="wedgeRoundRectCallout">
+            <a:avLst>
+              <a:gd name="adj1" fmla="val -63516"/>
+              <a:gd name="adj2" fmla="val -24597"/>
+              <a:gd name="adj3" fmla="val 16667"/>
+            </a:avLst>
           </a:prstGeom>
         </p:spPr>
-        <p:txBody>
-          <a:bodyPr wrap="square">
-            <a:spAutoFit/>
-          </a:bodyPr>
-          <a:lstStyle/>
-          <a:p>
-            <a:r>
-              <a:rPr lang="en-US" sz="1400" dirty="0" smtClean="0"/>
-              <a:t>Users in the in-feed quiz condition answered more quizzes and scored higher on vocabulary tests</a:t>
-            </a:r>
+        <p:style>
+          <a:lnRef idx="2">
+            <a:schemeClr val="dk1">
+              <a:shade val="50000"/>
+            </a:schemeClr>
+          </a:lnRef>
+          <a:fillRef idx="1">
+            <a:schemeClr val="dk1"/>
+          </a:fillRef>
+          <a:effectRef idx="0">
+            <a:schemeClr val="dk1"/>
+          </a:effectRef>
+          <a:fontRef idx="minor">
+            <a:schemeClr val="lt1"/>
+          </a:fontRef>
+        </p:style>
+        <p:txBody>
+          <a:bodyPr rtlCol="0" anchor="ctr"/>
+          <a:lstStyle/>
+          <a:p>
+            <a:pPr algn="ctr"/>
+            <a:r>
+              <a:rPr lang="en-US" sz="1200" dirty="0" smtClean="0"/>
+              <a:t>“Word of the Day” post from KoreanClass101, which has 70,000 subscribers</a:t>
+            </a:r>
+            <a:endParaRPr lang="en-US" sz="1200" dirty="0"/>
           </a:p>
         </p:txBody>
       </p:sp>

--- a/feedlearn-poster.pptx
+++ b/feedlearn-poster.pptx
@@ -288,7 +288,7 @@
           <a:p>
             <a:fld id="{B9071A0A-C771-FF4E-BD28-BD798DA5999F}" type="datetimeFigureOut">
               <a:rPr lang="en-US" smtClean="0"/>
-              <a:t>15-2-10</a:t>
+              <a:t>15-2-11</a:t>
             </a:fld>
             <a:endParaRPr lang="en-US"/>
           </a:p>
@@ -458,7 +458,7 @@
           <a:p>
             <a:fld id="{B9071A0A-C771-FF4E-BD28-BD798DA5999F}" type="datetimeFigureOut">
               <a:rPr lang="en-US" smtClean="0"/>
-              <a:t>15-2-10</a:t>
+              <a:t>15-2-11</a:t>
             </a:fld>
             <a:endParaRPr lang="en-US"/>
           </a:p>
@@ -638,7 +638,7 @@
           <a:p>
             <a:fld id="{B9071A0A-C771-FF4E-BD28-BD798DA5999F}" type="datetimeFigureOut">
               <a:rPr lang="en-US" smtClean="0"/>
-              <a:t>15-2-10</a:t>
+              <a:t>15-2-11</a:t>
             </a:fld>
             <a:endParaRPr lang="en-US"/>
           </a:p>
@@ -808,7 +808,7 @@
           <a:p>
             <a:fld id="{B9071A0A-C771-FF4E-BD28-BD798DA5999F}" type="datetimeFigureOut">
               <a:rPr lang="en-US" smtClean="0"/>
-              <a:t>15-2-10</a:t>
+              <a:t>15-2-11</a:t>
             </a:fld>
             <a:endParaRPr lang="en-US"/>
           </a:p>
@@ -1054,7 +1054,7 @@
           <a:p>
             <a:fld id="{B9071A0A-C771-FF4E-BD28-BD798DA5999F}" type="datetimeFigureOut">
               <a:rPr lang="en-US" smtClean="0"/>
-              <a:t>15-2-10</a:t>
+              <a:t>15-2-11</a:t>
             </a:fld>
             <a:endParaRPr lang="en-US"/>
           </a:p>
@@ -1342,7 +1342,7 @@
           <a:p>
             <a:fld id="{B9071A0A-C771-FF4E-BD28-BD798DA5999F}" type="datetimeFigureOut">
               <a:rPr lang="en-US" smtClean="0"/>
-              <a:t>15-2-10</a:t>
+              <a:t>15-2-11</a:t>
             </a:fld>
             <a:endParaRPr lang="en-US"/>
           </a:p>
@@ -1764,7 +1764,7 @@
           <a:p>
             <a:fld id="{B9071A0A-C771-FF4E-BD28-BD798DA5999F}" type="datetimeFigureOut">
               <a:rPr lang="en-US" smtClean="0"/>
-              <a:t>15-2-10</a:t>
+              <a:t>15-2-11</a:t>
             </a:fld>
             <a:endParaRPr lang="en-US"/>
           </a:p>
@@ -1882,7 +1882,7 @@
           <a:p>
             <a:fld id="{B9071A0A-C771-FF4E-BD28-BD798DA5999F}" type="datetimeFigureOut">
               <a:rPr lang="en-US" smtClean="0"/>
-              <a:t>15-2-10</a:t>
+              <a:t>15-2-11</a:t>
             </a:fld>
             <a:endParaRPr lang="en-US"/>
           </a:p>
@@ -1977,7 +1977,7 @@
           <a:p>
             <a:fld id="{B9071A0A-C771-FF4E-BD28-BD798DA5999F}" type="datetimeFigureOut">
               <a:rPr lang="en-US" smtClean="0"/>
-              <a:t>15-2-10</a:t>
+              <a:t>15-2-11</a:t>
             </a:fld>
             <a:endParaRPr lang="en-US"/>
           </a:p>
@@ -2254,7 +2254,7 @@
           <a:p>
             <a:fld id="{B9071A0A-C771-FF4E-BD28-BD798DA5999F}" type="datetimeFigureOut">
               <a:rPr lang="en-US" smtClean="0"/>
-              <a:t>15-2-10</a:t>
+              <a:t>15-2-11</a:t>
             </a:fld>
             <a:endParaRPr lang="en-US"/>
           </a:p>
@@ -2507,7 +2507,7 @@
           <a:p>
             <a:fld id="{B9071A0A-C771-FF4E-BD28-BD798DA5999F}" type="datetimeFigureOut">
               <a:rPr lang="en-US" smtClean="0"/>
-              <a:t>15-2-10</a:t>
+              <a:t>15-2-11</a:t>
             </a:fld>
             <a:endParaRPr lang="en-US"/>
           </a:p>
@@ -2720,7 +2720,7 @@
           <a:p>
             <a:fld id="{B9071A0A-C771-FF4E-BD28-BD798DA5999F}" type="datetimeFigureOut">
               <a:rPr lang="en-US" smtClean="0"/>
-              <a:t>15-2-10</a:t>
+              <a:t>15-2-11</a:t>
             </a:fld>
             <a:endParaRPr lang="en-US"/>
           </a:p>
@@ -3111,13 +3111,13 @@
               </a:ext>
             </a:extLst>
           </a:blip>
-          <a:srcRect l="11813" r="7663"/>
+          <a:srcRect l="9677" r="5089"/>
           <a:stretch/>
         </p:blipFill>
         <p:spPr>
           <a:xfrm>
-            <a:off x="5638800" y="2766579"/>
-            <a:ext cx="3522803" cy="2198609"/>
+            <a:off x="5547360" y="2736099"/>
+            <a:ext cx="3647935" cy="2150861"/>
           </a:xfrm>
           <a:prstGeom prst="rect">
             <a:avLst/>
@@ -3132,7 +3132,7 @@
         </p:nvSpPr>
         <p:spPr>
           <a:xfrm>
-            <a:off x="-41836" y="4958080"/>
+            <a:off x="-41836" y="4836160"/>
             <a:ext cx="9203439" cy="373773"/>
           </a:xfrm>
           <a:prstGeom prst="rect">
@@ -3535,11 +3535,7 @@
             </a:r>
             <a:r>
               <a:rPr lang="en-US" sz="1400" dirty="0" smtClean="0"/>
-              <a:t>      Not </a:t>
-            </a:r>
-            <a:r>
-              <a:rPr lang="en-US" sz="1400" dirty="0" smtClean="0"/>
-              <a:t>interactive, not personalized, no spaced repetition, manually generated</a:t>
+              <a:t>      Not interactive, not personalized, no spaced repetition, manually generated</a:t>
             </a:r>
             <a:endParaRPr lang="en-US" sz="1400" dirty="0"/>
           </a:p>
@@ -3592,11 +3588,7 @@
             </a:r>
             <a:r>
               <a:rPr lang="en-US" sz="1700" dirty="0" smtClean="0"/>
-              <a:t>    </a:t>
-            </a:r>
-            <a:r>
-              <a:rPr lang="en-US" sz="1700" dirty="0" smtClean="0"/>
-              <a:t>Facebook’s widespread use presents a good opportunity for </a:t>
+              <a:t>    Facebook’s widespread use presents a good opportunity for </a:t>
             </a:r>
             <a:r>
               <a:rPr lang="en-US" sz="1700" dirty="0" err="1" smtClean="0"/>
@@ -3720,19 +3712,7 @@
             </a:r>
             <a:r>
               <a:rPr lang="en-US" sz="1700" dirty="0" smtClean="0"/>
-              <a:t> </a:t>
-            </a:r>
-            <a:r>
-              <a:rPr lang="en-US" sz="1700" dirty="0" smtClean="0"/>
-              <a:t>directly </a:t>
-            </a:r>
-            <a:r>
-              <a:rPr lang="en-US" sz="1700" dirty="0" smtClean="0"/>
-              <a:t>in your </a:t>
-            </a:r>
-            <a:r>
-              <a:rPr lang="en-US" sz="1700" dirty="0" smtClean="0"/>
-              <a:t>Facebook feed</a:t>
+              <a:t> directly in your Facebook feed</a:t>
             </a:r>
             <a:endParaRPr lang="en-US" sz="1700" dirty="0"/>
           </a:p>
@@ -3746,7 +3726,7 @@
         </p:nvSpPr>
         <p:spPr>
           <a:xfrm>
-            <a:off x="15488" y="2831547"/>
+            <a:off x="15488" y="2770587"/>
             <a:ext cx="7929632" cy="2277547"/>
           </a:xfrm>
           <a:prstGeom prst="rect">
@@ -3761,11 +3741,7 @@
           <a:p>
             <a:r>
               <a:rPr lang="en-US" dirty="0" smtClean="0"/>
-              <a:t>     Shows interactive vocabulary quizzes </a:t>
-            </a:r>
-            <a:r>
-              <a:rPr lang="en-US" dirty="0" smtClean="0"/>
-              <a:t>in your feed</a:t>
+              <a:t>     Shows interactive vocabulary quizzes in your feed</a:t>
             </a:r>
           </a:p>
           <a:p>
@@ -3781,11 +3757,7 @@
             </a:r>
             <a:r>
               <a:rPr lang="en-US" sz="1400" dirty="0" smtClean="0"/>
-              <a:t>      </a:t>
-            </a:r>
-            <a:r>
-              <a:rPr lang="en-US" sz="1400" dirty="0" smtClean="0"/>
-              <a:t>Can answer quizzes inside feed, without leaving Facebook</a:t>
+              <a:t>      Can answer quizzes inside feed, without leaving Facebook</a:t>
             </a:r>
           </a:p>
           <a:p>
@@ -3812,15 +3784,7 @@
           <a:p>
             <a:r>
               <a:rPr lang="en-US" sz="1400" dirty="0" smtClean="0"/>
-              <a:t>       Uses </a:t>
-            </a:r>
-            <a:r>
-              <a:rPr lang="en-US" sz="1400" dirty="0" smtClean="0"/>
-              <a:t>spaced repetition algorithm </a:t>
-            </a:r>
-            <a:r>
-              <a:rPr lang="en-US" sz="1400" dirty="0" smtClean="0"/>
-              <a:t>(</a:t>
+              <a:t>       Uses spaced repetition algorithm (</a:t>
             </a:r>
             <a:r>
               <a:rPr lang="en-US" sz="1400" dirty="0" err="1" smtClean="0"/>
@@ -3828,11 +3792,7 @@
             </a:r>
             <a:r>
               <a:rPr lang="en-US" sz="1400" dirty="0" smtClean="0"/>
-              <a:t>) to </a:t>
-            </a:r>
-            <a:r>
-              <a:rPr lang="en-US" sz="1400" dirty="0" smtClean="0"/>
-              <a:t>schedule words</a:t>
+              <a:t>) to schedule words</a:t>
             </a:r>
           </a:p>
           <a:p>
@@ -3875,7 +3835,7 @@
         </p:nvSpPr>
         <p:spPr>
           <a:xfrm>
-            <a:off x="5329" y="5325353"/>
+            <a:off x="5329" y="5183113"/>
             <a:ext cx="6740910" cy="800219"/>
           </a:xfrm>
           <a:prstGeom prst="rect">
@@ -3890,43 +3850,35 @@
           <a:p>
             <a:r>
               <a:rPr lang="en-US" dirty="0" smtClean="0"/>
-              <a:t>     </a:t>
-            </a:r>
-            <a:r>
-              <a:rPr lang="en-US" dirty="0" smtClean="0"/>
-              <a:t>12 </a:t>
-            </a:r>
-            <a:r>
-              <a:rPr lang="en-US" dirty="0" smtClean="0"/>
-              <a:t>participants studying 50 basic Japanese nouns across a week</a:t>
+              <a:t>     12 participants studying 50 basic Japanese nouns across a week</a:t>
             </a:r>
           </a:p>
           <a:p>
             <a:r>
               <a:rPr lang="en-US" sz="1400" dirty="0" smtClean="0"/>
-              <a:t>       </a:t>
+              <a:t>       6 had interactive quizzes </a:t>
             </a:r>
             <a:r>
               <a:rPr lang="en-US" sz="1400" dirty="0" smtClean="0"/>
-              <a:t>6 </a:t>
+              <a:t>inserted into </a:t>
             </a:r>
             <a:r>
               <a:rPr lang="en-US" sz="1400" dirty="0" smtClean="0"/>
-              <a:t>had interactive quizzes inserted into feeds, </a:t>
-            </a:r>
+              <a:t>feeds, 6 had links inserted into feeds</a:t>
+            </a:r>
+          </a:p>
+          <a:p>
             <a:r>
               <a:rPr lang="en-US" sz="1400" dirty="0" smtClean="0"/>
-              <a:t>6 </a:t>
+              <a:t>       Took a pre-test at the </a:t>
             </a:r>
             <a:r>
               <a:rPr lang="en-US" sz="1400" dirty="0" smtClean="0"/>
-              <a:t>had links inserted into feeds</a:t>
-            </a:r>
-          </a:p>
-          <a:p>
+              <a:t>beginning of week</a:t>
+            </a:r>
             <a:r>
               <a:rPr lang="en-US" sz="1400" dirty="0" smtClean="0"/>
-              <a:t>       Took a pre-test at the beginning of the week, and a post-test afterwards</a:t>
+              <a:t>, and a post-test afterwards</a:t>
             </a:r>
           </a:p>
         </p:txBody>
@@ -3953,59 +3905,29 @@
         </p:blipFill>
         <p:spPr>
           <a:xfrm>
-            <a:off x="6879360" y="5453773"/>
-            <a:ext cx="2256496" cy="1357494"/>
+            <a:off x="4033520" y="5901769"/>
+            <a:ext cx="1589495" cy="956231"/>
           </a:xfrm>
           <a:prstGeom prst="rect">
             <a:avLst/>
           </a:prstGeom>
         </p:spPr>
       </p:pic>
-      <p:pic>
-        <p:nvPicPr>
-          <p:cNvPr id="21" name="Picture 20" descr="event-logs-feedlearn.png"/>
-          <p:cNvPicPr>
-            <a:picLocks noChangeAspect="1"/>
-          </p:cNvPicPr>
+      <p:sp>
+        <p:nvSpPr>
+          <p:cNvPr id="22" name="Rectangle 21"/>
+          <p:cNvSpPr/>
           <p:nvPr/>
-        </p:nvPicPr>
-        <p:blipFill>
-          <a:blip r:embed="rId4">
-            <a:extLst>
-              <a:ext uri="{28A0092B-C50C-407E-A947-70E740481C1C}">
-                <a14:useLocalDpi xmlns:a14="http://schemas.microsoft.com/office/drawing/2010/main" val="0"/>
-              </a:ext>
-            </a:extLst>
-          </a:blip>
-          <a:stretch>
-            <a:fillRect/>
-          </a:stretch>
-        </p:blipFill>
+        </p:nvSpPr>
         <p:spPr>
           <a:xfrm>
-            <a:off x="4059634" y="6164129"/>
-            <a:ext cx="2789246" cy="651148"/>
+            <a:off x="289809" y="6034132"/>
+            <a:ext cx="3367791" cy="646331"/>
           </a:xfrm>
           <a:prstGeom prst="rect">
             <a:avLst/>
           </a:prstGeom>
         </p:spPr>
-      </p:pic>
-      <p:sp>
-        <p:nvSpPr>
-          <p:cNvPr id="22" name="Rectangle 21"/>
-          <p:cNvSpPr/>
-          <p:nvPr/>
-        </p:nvSpPr>
-        <p:spPr>
-          <a:xfrm>
-            <a:off x="269489" y="6164129"/>
-            <a:ext cx="3971513" cy="523220"/>
-          </a:xfrm>
-          <a:prstGeom prst="rect">
-            <a:avLst/>
-          </a:prstGeom>
-        </p:spPr>
         <p:txBody>
           <a:bodyPr wrap="square">
             <a:spAutoFit/>
@@ -4013,9 +3935,22 @@
           <a:lstStyle/>
           <a:p>
             <a:r>
-              <a:rPr lang="en-US" sz="1400" dirty="0" smtClean="0"/>
-              <a:t>Users in the in-feed quiz condition answered more quizzes and scored higher on vocabulary tests</a:t>
-            </a:r>
+              <a:rPr lang="en-US" sz="1200" dirty="0" smtClean="0"/>
+              <a:t>Users in the in-feed quiz condition answered more </a:t>
+            </a:r>
+            <a:r>
+              <a:rPr lang="en-US" sz="1200" dirty="0" smtClean="0"/>
+              <a:t>quizzes, scored </a:t>
+            </a:r>
+            <a:r>
+              <a:rPr lang="en-US" sz="1200" dirty="0" smtClean="0"/>
+              <a:t>higher on vocabulary </a:t>
+            </a:r>
+            <a:r>
+              <a:rPr lang="en-US" sz="1200" dirty="0" smtClean="0"/>
+              <a:t>tests, and answered questions on more days of the week</a:t>
+            </a:r>
+            <a:endParaRPr lang="en-US" sz="1200" dirty="0" smtClean="0"/>
           </a:p>
         </p:txBody>
       </p:sp>
@@ -4028,7 +3963,7 @@
           <p:nvPr/>
         </p:nvPicPr>
         <p:blipFill>
-          <a:blip r:embed="rId5">
+          <a:blip r:embed="rId4">
             <a:extLst>
               <a:ext uri="{28A0092B-C50C-407E-A947-70E740481C1C}">
                 <a14:useLocalDpi xmlns:a14="http://schemas.microsoft.com/office/drawing/2010/main" val="0"/>
@@ -4097,6 +4032,36 @@
           </a:p>
         </p:txBody>
       </p:sp>
+      <p:pic>
+        <p:nvPicPr>
+          <p:cNvPr id="3" name="Picture 2" descr="event-logs-feedlearn.png"/>
+          <p:cNvPicPr>
+            <a:picLocks noChangeAspect="1"/>
+          </p:cNvPicPr>
+          <p:nvPr/>
+        </p:nvPicPr>
+        <p:blipFill>
+          <a:blip r:embed="rId5">
+            <a:extLst>
+              <a:ext uri="{28A0092B-C50C-407E-A947-70E740481C1C}">
+                <a14:useLocalDpi xmlns:a14="http://schemas.microsoft.com/office/drawing/2010/main" val="0"/>
+              </a:ext>
+            </a:extLst>
+          </a:blip>
+          <a:stretch>
+            <a:fillRect/>
+          </a:stretch>
+        </p:blipFill>
+        <p:spPr>
+          <a:xfrm>
+            <a:off x="5896931" y="5485106"/>
+            <a:ext cx="3250209" cy="1372895"/>
+          </a:xfrm>
+          <a:prstGeom prst="rect">
+            <a:avLst/>
+          </a:prstGeom>
+        </p:spPr>
+      </p:pic>
     </p:spTree>
     <p:extLst>
       <p:ext uri="{BB962C8B-B14F-4D97-AF65-F5344CB8AC3E}">
